--- a/Minisite/structure_minisite.pptx
+++ b/Minisite/structure_minisite.pptx
@@ -869,7 +869,7 @@
 <dgm:dataModel xmlns:dgm="http://schemas.openxmlformats.org/drawingml/2006/diagram" xmlns:a="http://schemas.openxmlformats.org/drawingml/2006/main">
   <dgm:ptLst>
     <dgm:pt modelId="{82F52ADC-57B8-472B-8654-989DA68ED066}" type="doc">
-      <dgm:prSet loTypeId="urn:microsoft.com/office/officeart/2008/layout/AlternatingHexagons" loCatId="list" qsTypeId="urn:microsoft.com/office/officeart/2005/8/quickstyle/simple1" qsCatId="simple" csTypeId="urn:microsoft.com/office/officeart/2005/8/colors/accent1_2" csCatId="accent1" phldr="1"/>
+      <dgm:prSet loTypeId="urn:microsoft.com/office/officeart/2005/8/layout/default" loCatId="list" qsTypeId="urn:microsoft.com/office/officeart/2005/8/quickstyle/simple1" qsCatId="simple" csTypeId="urn:microsoft.com/office/officeart/2005/8/colors/accent1_2" csCatId="accent1" phldr="1"/>
       <dgm:spPr/>
       <dgm:t>
         <a:bodyPr/>
@@ -1000,171 +1000,119 @@
         </a:p>
       </dgm:t>
     </dgm:pt>
-    <dgm:pt modelId="{1FF0F8EA-45FE-4726-B205-E9E9CB057173}" type="pres">
-      <dgm:prSet presAssocID="{82F52ADC-57B8-472B-8654-989DA68ED066}" presName="Name0" presStyleCnt="0">
+    <dgm:pt modelId="{992FCA24-15B1-4CC6-80BB-8534D749F4B0}">
+      <dgm:prSet phldrT="[Texte]"/>
+      <dgm:spPr/>
+      <dgm:t>
+        <a:bodyPr/>
+        <a:lstStyle/>
+        <a:p>
+          <a:r>
+            <a:rPr lang="fr-FR" dirty="0"/>
+            <a:t>Etc…</a:t>
+          </a:r>
+        </a:p>
+      </dgm:t>
+    </dgm:pt>
+    <dgm:pt modelId="{082AAC73-CB70-4414-8EF0-9B4848C0B93E}" type="parTrans" cxnId="{3BA988E0-C5B1-4CC1-A05F-DC199691EEDC}">
+      <dgm:prSet/>
+      <dgm:spPr/>
+      <dgm:t>
+        <a:bodyPr/>
+        <a:lstStyle/>
+        <a:p>
+          <a:endParaRPr lang="fr-FR"/>
+        </a:p>
+      </dgm:t>
+    </dgm:pt>
+    <dgm:pt modelId="{BED00C72-7148-495C-9582-31FF0DE98F05}" type="sibTrans" cxnId="{3BA988E0-C5B1-4CC1-A05F-DC199691EEDC}">
+      <dgm:prSet/>
+      <dgm:spPr/>
+      <dgm:t>
+        <a:bodyPr/>
+        <a:lstStyle/>
+        <a:p>
+          <a:endParaRPr lang="fr-FR"/>
+        </a:p>
+      </dgm:t>
+    </dgm:pt>
+    <dgm:pt modelId="{81A52D0E-BBF8-4DC8-95FA-DED3F4CCF4B6}" type="pres">
+      <dgm:prSet presAssocID="{82F52ADC-57B8-472B-8654-989DA68ED066}" presName="diagram" presStyleCnt="0">
         <dgm:presLayoutVars>
-          <dgm:chMax/>
-          <dgm:chPref/>
           <dgm:dir/>
-          <dgm:animLvl val="lvl"/>
+          <dgm:resizeHandles val="exact"/>
         </dgm:presLayoutVars>
       </dgm:prSet>
       <dgm:spPr/>
     </dgm:pt>
-    <dgm:pt modelId="{08519CDD-1596-4CCF-8077-F19A23206223}" type="pres">
-      <dgm:prSet presAssocID="{9B661658-1732-43CA-8D22-7A5E451EC2EB}" presName="composite" presStyleCnt="0"/>
-      <dgm:spPr/>
-    </dgm:pt>
-    <dgm:pt modelId="{85021017-C616-47D9-BF6D-652C4DE20270}" type="pres">
-      <dgm:prSet presAssocID="{9B661658-1732-43CA-8D22-7A5E451EC2EB}" presName="Parent1" presStyleLbl="node1" presStyleIdx="0" presStyleCnt="6">
+    <dgm:pt modelId="{E859EB50-BA73-4F54-8153-8C21319E1B71}" type="pres">
+      <dgm:prSet presAssocID="{9B661658-1732-43CA-8D22-7A5E451EC2EB}" presName="node" presStyleLbl="node1" presStyleIdx="0" presStyleCnt="4">
         <dgm:presLayoutVars>
-          <dgm:chMax val="1"/>
-          <dgm:chPref val="1"/>
           <dgm:bulletEnabled val="1"/>
         </dgm:presLayoutVars>
       </dgm:prSet>
       <dgm:spPr/>
     </dgm:pt>
-    <dgm:pt modelId="{43F293EF-2A2D-4F6E-BF88-7975A13C7E1D}" type="pres">
-      <dgm:prSet presAssocID="{9B661658-1732-43CA-8D22-7A5E451EC2EB}" presName="Childtext1" presStyleLbl="revTx" presStyleIdx="0" presStyleCnt="3">
+    <dgm:pt modelId="{AA2EF59D-F3B5-481C-9D50-69A36FD46910}" type="pres">
+      <dgm:prSet presAssocID="{F0E68395-6D0A-4DEF-8383-85564E6988CF}" presName="sibTrans" presStyleCnt="0"/>
+      <dgm:spPr/>
+    </dgm:pt>
+    <dgm:pt modelId="{F54C23B0-C633-4C6C-8AA6-E26A85F5F414}" type="pres">
+      <dgm:prSet presAssocID="{5BF13658-789E-4DCF-880B-9B3BD6FDECCE}" presName="node" presStyleLbl="node1" presStyleIdx="1" presStyleCnt="4">
         <dgm:presLayoutVars>
-          <dgm:chMax val="0"/>
-          <dgm:chPref val="0"/>
           <dgm:bulletEnabled val="1"/>
         </dgm:presLayoutVars>
       </dgm:prSet>
       <dgm:spPr/>
     </dgm:pt>
-    <dgm:pt modelId="{E27662AC-A834-44AE-85CA-45A92DA2482C}" type="pres">
-      <dgm:prSet presAssocID="{9B661658-1732-43CA-8D22-7A5E451EC2EB}" presName="BalanceSpacing" presStyleCnt="0"/>
+    <dgm:pt modelId="{5D975420-05FC-4972-B060-B1B5118B8834}" type="pres">
+      <dgm:prSet presAssocID="{DA9174FB-29BB-4C60-A2F2-CDA0E6931329}" presName="sibTrans" presStyleCnt="0"/>
       <dgm:spPr/>
     </dgm:pt>
-    <dgm:pt modelId="{C657387C-E248-4BEA-A5CC-98A195A13AA8}" type="pres">
-      <dgm:prSet presAssocID="{9B661658-1732-43CA-8D22-7A5E451EC2EB}" presName="BalanceSpacing1" presStyleCnt="0"/>
-      <dgm:spPr/>
-    </dgm:pt>
-    <dgm:pt modelId="{92B7ED43-5E2F-4F4A-84E6-FFD41ACA951A}" type="pres">
-      <dgm:prSet presAssocID="{F0E68395-6D0A-4DEF-8383-85564E6988CF}" presName="Accent1Text" presStyleLbl="node1" presStyleIdx="1" presStyleCnt="6"/>
-      <dgm:spPr/>
-    </dgm:pt>
-    <dgm:pt modelId="{51886195-7E8A-4FEE-B7AE-1E0C3E0F992A}" type="pres">
-      <dgm:prSet presAssocID="{F0E68395-6D0A-4DEF-8383-85564E6988CF}" presName="spaceBetweenRectangles" presStyleCnt="0"/>
-      <dgm:spPr/>
-    </dgm:pt>
-    <dgm:pt modelId="{08B13A14-05A1-4B8B-88D6-F270F208CE31}" type="pres">
-      <dgm:prSet presAssocID="{5BF13658-789E-4DCF-880B-9B3BD6FDECCE}" presName="composite" presStyleCnt="0"/>
-      <dgm:spPr/>
-    </dgm:pt>
-    <dgm:pt modelId="{3BFF1360-DE3D-4EFD-BDA6-D0866AA45959}" type="pres">
-      <dgm:prSet presAssocID="{5BF13658-789E-4DCF-880B-9B3BD6FDECCE}" presName="Parent1" presStyleLbl="node1" presStyleIdx="2" presStyleCnt="6">
+    <dgm:pt modelId="{D7304029-C716-4ECC-9281-B8D34CA31E22}" type="pres">
+      <dgm:prSet presAssocID="{7A3188CB-D27E-4361-B3DB-CF63957885D7}" presName="node" presStyleLbl="node1" presStyleIdx="2" presStyleCnt="4">
         <dgm:presLayoutVars>
-          <dgm:chMax val="1"/>
-          <dgm:chPref val="1"/>
           <dgm:bulletEnabled val="1"/>
         </dgm:presLayoutVars>
       </dgm:prSet>
       <dgm:spPr/>
     </dgm:pt>
-    <dgm:pt modelId="{334EC7AC-3FC6-46E7-A9EE-9FBA902D713A}" type="pres">
-      <dgm:prSet presAssocID="{5BF13658-789E-4DCF-880B-9B3BD6FDECCE}" presName="Childtext1" presStyleLbl="revTx" presStyleIdx="1" presStyleCnt="3">
+    <dgm:pt modelId="{63822F65-29B8-488A-BF5B-C886E8947C1D}" type="pres">
+      <dgm:prSet presAssocID="{D2CD6E38-C147-4524-9570-A6822A3802BB}" presName="sibTrans" presStyleCnt="0"/>
+      <dgm:spPr/>
+    </dgm:pt>
+    <dgm:pt modelId="{ED0779DC-88AE-46C6-AA39-0282BE10636C}" type="pres">
+      <dgm:prSet presAssocID="{992FCA24-15B1-4CC6-80BB-8534D749F4B0}" presName="node" presStyleLbl="node1" presStyleIdx="3" presStyleCnt="4">
         <dgm:presLayoutVars>
-          <dgm:chMax val="0"/>
-          <dgm:chPref val="0"/>
           <dgm:bulletEnabled val="1"/>
         </dgm:presLayoutVars>
       </dgm:prSet>
       <dgm:spPr/>
     </dgm:pt>
-    <dgm:pt modelId="{4618718F-E0FF-4056-B8B8-F25FD96EC891}" type="pres">
-      <dgm:prSet presAssocID="{5BF13658-789E-4DCF-880B-9B3BD6FDECCE}" presName="BalanceSpacing" presStyleCnt="0"/>
-      <dgm:spPr/>
-    </dgm:pt>
-    <dgm:pt modelId="{7FFEE946-1EAF-4675-9300-83B68334FDB0}" type="pres">
-      <dgm:prSet presAssocID="{5BF13658-789E-4DCF-880B-9B3BD6FDECCE}" presName="BalanceSpacing1" presStyleCnt="0"/>
-      <dgm:spPr/>
-    </dgm:pt>
-    <dgm:pt modelId="{57D8EFBA-7E2B-433E-8535-C55B7E505DB8}" type="pres">
-      <dgm:prSet presAssocID="{DA9174FB-29BB-4C60-A2F2-CDA0E6931329}" presName="Accent1Text" presStyleLbl="node1" presStyleIdx="3" presStyleCnt="6"/>
-      <dgm:spPr/>
-    </dgm:pt>
-    <dgm:pt modelId="{2C610337-A5D5-4ABB-984F-F2B2F4145731}" type="pres">
-      <dgm:prSet presAssocID="{DA9174FB-29BB-4C60-A2F2-CDA0E6931329}" presName="spaceBetweenRectangles" presStyleCnt="0"/>
-      <dgm:spPr/>
-    </dgm:pt>
-    <dgm:pt modelId="{FF094DAD-F316-4307-835C-C4DD9FF75B8C}" type="pres">
-      <dgm:prSet presAssocID="{7A3188CB-D27E-4361-B3DB-CF63957885D7}" presName="composite" presStyleCnt="0"/>
-      <dgm:spPr/>
-    </dgm:pt>
-    <dgm:pt modelId="{3C3B6EEA-9FAA-4C6B-8AAF-90AF5C4A506F}" type="pres">
-      <dgm:prSet presAssocID="{7A3188CB-D27E-4361-B3DB-CF63957885D7}" presName="Parent1" presStyleLbl="node1" presStyleIdx="4" presStyleCnt="6">
-        <dgm:presLayoutVars>
-          <dgm:chMax val="1"/>
-          <dgm:chPref val="1"/>
-          <dgm:bulletEnabled val="1"/>
-        </dgm:presLayoutVars>
-      </dgm:prSet>
-      <dgm:spPr/>
-    </dgm:pt>
-    <dgm:pt modelId="{D5E90078-45A2-44F7-B80C-BF708E526C63}" type="pres">
-      <dgm:prSet presAssocID="{7A3188CB-D27E-4361-B3DB-CF63957885D7}" presName="Childtext1" presStyleLbl="revTx" presStyleIdx="2" presStyleCnt="3">
-        <dgm:presLayoutVars>
-          <dgm:chMax val="0"/>
-          <dgm:chPref val="0"/>
-          <dgm:bulletEnabled val="1"/>
-        </dgm:presLayoutVars>
-      </dgm:prSet>
-      <dgm:spPr/>
-    </dgm:pt>
-    <dgm:pt modelId="{6A9514E7-0284-4650-BC1F-BABFA53C3919}" type="pres">
-      <dgm:prSet presAssocID="{7A3188CB-D27E-4361-B3DB-CF63957885D7}" presName="BalanceSpacing" presStyleCnt="0"/>
-      <dgm:spPr/>
-    </dgm:pt>
-    <dgm:pt modelId="{02187672-8E9E-4D8A-9836-0410E5EECEF5}" type="pres">
-      <dgm:prSet presAssocID="{7A3188CB-D27E-4361-B3DB-CF63957885D7}" presName="BalanceSpacing1" presStyleCnt="0"/>
-      <dgm:spPr/>
-    </dgm:pt>
-    <dgm:pt modelId="{75772BEB-7373-445E-AEFF-181918D086C9}" type="pres">
-      <dgm:prSet presAssocID="{D2CD6E38-C147-4524-9570-A6822A3802BB}" presName="Accent1Text" presStyleLbl="node1" presStyleIdx="5" presStyleCnt="6"/>
-      <dgm:spPr/>
-    </dgm:pt>
   </dgm:ptLst>
   <dgm:cxnLst>
-    <dgm:cxn modelId="{EEA7144B-6215-41CB-BE93-62EFA64F30B5}" type="presOf" srcId="{5BF13658-789E-4DCF-880B-9B3BD6FDECCE}" destId="{3BFF1360-DE3D-4EFD-BDA6-D0866AA45959}" srcOrd="0" destOrd="0" presId="urn:microsoft.com/office/officeart/2008/layout/AlternatingHexagons"/>
-    <dgm:cxn modelId="{C32ACCAD-53C7-4F1A-B7D6-52F0FE0CB810}" type="presOf" srcId="{F0E68395-6D0A-4DEF-8383-85564E6988CF}" destId="{92B7ED43-5E2F-4F4A-84E6-FFD41ACA951A}" srcOrd="0" destOrd="0" presId="urn:microsoft.com/office/officeart/2008/layout/AlternatingHexagons"/>
     <dgm:cxn modelId="{D8B8D70E-AB11-4A9D-9B4B-A87330C3E547}" srcId="{82F52ADC-57B8-472B-8654-989DA68ED066}" destId="{7A3188CB-D27E-4361-B3DB-CF63957885D7}" srcOrd="2" destOrd="0" parTransId="{627D40C4-AB12-416E-B99A-162BEEE2A482}" sibTransId="{D2CD6E38-C147-4524-9570-A6822A3802BB}"/>
-    <dgm:cxn modelId="{EA56E5ED-4E35-4D22-8E8B-E00884D11EF4}" type="presOf" srcId="{DA9174FB-29BB-4C60-A2F2-CDA0E6931329}" destId="{57D8EFBA-7E2B-433E-8535-C55B7E505DB8}" srcOrd="0" destOrd="0" presId="urn:microsoft.com/office/officeart/2008/layout/AlternatingHexagons"/>
-    <dgm:cxn modelId="{A1758577-0272-4F92-8DFD-0D2D78B2A908}" type="presOf" srcId="{D2CD6E38-C147-4524-9570-A6822A3802BB}" destId="{75772BEB-7373-445E-AEFF-181918D086C9}" srcOrd="0" destOrd="0" presId="urn:microsoft.com/office/officeart/2008/layout/AlternatingHexagons"/>
-    <dgm:cxn modelId="{C3178D61-5A00-4F23-983D-ED46211A1D28}" type="presOf" srcId="{7A3188CB-D27E-4361-B3DB-CF63957885D7}" destId="{3C3B6EEA-9FAA-4C6B-8AAF-90AF5C4A506F}" srcOrd="0" destOrd="0" presId="urn:microsoft.com/office/officeart/2008/layout/AlternatingHexagons"/>
-    <dgm:cxn modelId="{8E31230A-9F34-4ECA-A246-854C7CA447D1}" type="presOf" srcId="{9B661658-1732-43CA-8D22-7A5E451EC2EB}" destId="{85021017-C616-47D9-BF6D-652C4DE20270}" srcOrd="0" destOrd="0" presId="urn:microsoft.com/office/officeart/2008/layout/AlternatingHexagons"/>
-    <dgm:cxn modelId="{E76BC72F-CEC7-4D58-8605-288975FD1A10}" type="presOf" srcId="{82F52ADC-57B8-472B-8654-989DA68ED066}" destId="{1FF0F8EA-45FE-4726-B205-E9E9CB057173}" srcOrd="0" destOrd="0" presId="urn:microsoft.com/office/officeart/2008/layout/AlternatingHexagons"/>
+    <dgm:cxn modelId="{C20C2857-AE2F-4054-97DF-AC8ECCBFF871}" type="presOf" srcId="{7A3188CB-D27E-4361-B3DB-CF63957885D7}" destId="{D7304029-C716-4ECC-9281-B8D34CA31E22}" srcOrd="0" destOrd="0" presId="urn:microsoft.com/office/officeart/2005/8/layout/default"/>
     <dgm:cxn modelId="{344CB958-5627-4C29-BFBC-4C45D8E2C372}" srcId="{82F52ADC-57B8-472B-8654-989DA68ED066}" destId="{9B661658-1732-43CA-8D22-7A5E451EC2EB}" srcOrd="0" destOrd="0" parTransId="{5A675FE6-D0B6-4799-A1BB-932BF8E4C31A}" sibTransId="{F0E68395-6D0A-4DEF-8383-85564E6988CF}"/>
+    <dgm:cxn modelId="{74695FD9-3B07-47ED-8C69-6700AC8809B3}" type="presOf" srcId="{992FCA24-15B1-4CC6-80BB-8534D749F4B0}" destId="{ED0779DC-88AE-46C6-AA39-0282BE10636C}" srcOrd="0" destOrd="0" presId="urn:microsoft.com/office/officeart/2005/8/layout/default"/>
+    <dgm:cxn modelId="{3BA988E0-C5B1-4CC1-A05F-DC199691EEDC}" srcId="{82F52ADC-57B8-472B-8654-989DA68ED066}" destId="{992FCA24-15B1-4CC6-80BB-8534D749F4B0}" srcOrd="3" destOrd="0" parTransId="{082AAC73-CB70-4414-8EF0-9B4848C0B93E}" sibTransId="{BED00C72-7148-495C-9582-31FF0DE98F05}"/>
+    <dgm:cxn modelId="{C0149ED3-27D5-401B-9AF6-A15015DF97C8}" type="presOf" srcId="{5BF13658-789E-4DCF-880B-9B3BD6FDECCE}" destId="{F54C23B0-C633-4C6C-8AA6-E26A85F5F414}" srcOrd="0" destOrd="0" presId="urn:microsoft.com/office/officeart/2005/8/layout/default"/>
     <dgm:cxn modelId="{AC028902-8992-4306-ADC7-2E0C93A8BC19}" srcId="{82F52ADC-57B8-472B-8654-989DA68ED066}" destId="{5BF13658-789E-4DCF-880B-9B3BD6FDECCE}" srcOrd="1" destOrd="0" parTransId="{D3BBC7A1-61CB-48BB-9861-2BCBEC5BE198}" sibTransId="{DA9174FB-29BB-4C60-A2F2-CDA0E6931329}"/>
-    <dgm:cxn modelId="{ED2C64BC-028E-4B94-93C8-20D81DE065C8}" type="presParOf" srcId="{1FF0F8EA-45FE-4726-B205-E9E9CB057173}" destId="{08519CDD-1596-4CCF-8077-F19A23206223}" srcOrd="0" destOrd="0" presId="urn:microsoft.com/office/officeart/2008/layout/AlternatingHexagons"/>
-    <dgm:cxn modelId="{9A3A022A-0004-4A91-A42B-E242420C3E43}" type="presParOf" srcId="{08519CDD-1596-4CCF-8077-F19A23206223}" destId="{85021017-C616-47D9-BF6D-652C4DE20270}" srcOrd="0" destOrd="0" presId="urn:microsoft.com/office/officeart/2008/layout/AlternatingHexagons"/>
-    <dgm:cxn modelId="{FCFE7814-F691-4B7A-84C2-B850C87F65A0}" type="presParOf" srcId="{08519CDD-1596-4CCF-8077-F19A23206223}" destId="{43F293EF-2A2D-4F6E-BF88-7975A13C7E1D}" srcOrd="1" destOrd="0" presId="urn:microsoft.com/office/officeart/2008/layout/AlternatingHexagons"/>
-    <dgm:cxn modelId="{01F34957-4E01-42B3-8F37-8C4AA4206F01}" type="presParOf" srcId="{08519CDD-1596-4CCF-8077-F19A23206223}" destId="{E27662AC-A834-44AE-85CA-45A92DA2482C}" srcOrd="2" destOrd="0" presId="urn:microsoft.com/office/officeart/2008/layout/AlternatingHexagons"/>
-    <dgm:cxn modelId="{98BFE369-E578-4A97-A556-57C9354B9D9A}" type="presParOf" srcId="{08519CDD-1596-4CCF-8077-F19A23206223}" destId="{C657387C-E248-4BEA-A5CC-98A195A13AA8}" srcOrd="3" destOrd="0" presId="urn:microsoft.com/office/officeart/2008/layout/AlternatingHexagons"/>
-    <dgm:cxn modelId="{7919F269-8F95-4FB8-9B94-B2786FABCD61}" type="presParOf" srcId="{08519CDD-1596-4CCF-8077-F19A23206223}" destId="{92B7ED43-5E2F-4F4A-84E6-FFD41ACA951A}" srcOrd="4" destOrd="0" presId="urn:microsoft.com/office/officeart/2008/layout/AlternatingHexagons"/>
-    <dgm:cxn modelId="{6287F141-D50F-4FAA-B455-B4A24D4E9310}" type="presParOf" srcId="{1FF0F8EA-45FE-4726-B205-E9E9CB057173}" destId="{51886195-7E8A-4FEE-B7AE-1E0C3E0F992A}" srcOrd="1" destOrd="0" presId="urn:microsoft.com/office/officeart/2008/layout/AlternatingHexagons"/>
-    <dgm:cxn modelId="{656AB212-612E-4C60-B911-E60BAF2DE0E1}" type="presParOf" srcId="{1FF0F8EA-45FE-4726-B205-E9E9CB057173}" destId="{08B13A14-05A1-4B8B-88D6-F270F208CE31}" srcOrd="2" destOrd="0" presId="urn:microsoft.com/office/officeart/2008/layout/AlternatingHexagons"/>
-    <dgm:cxn modelId="{4BBC66DA-B3A9-4AF0-9F3B-9BAA48FEA39F}" type="presParOf" srcId="{08B13A14-05A1-4B8B-88D6-F270F208CE31}" destId="{3BFF1360-DE3D-4EFD-BDA6-D0866AA45959}" srcOrd="0" destOrd="0" presId="urn:microsoft.com/office/officeart/2008/layout/AlternatingHexagons"/>
-    <dgm:cxn modelId="{8D2FC208-F068-465D-ADED-391962D925FA}" type="presParOf" srcId="{08B13A14-05A1-4B8B-88D6-F270F208CE31}" destId="{334EC7AC-3FC6-46E7-A9EE-9FBA902D713A}" srcOrd="1" destOrd="0" presId="urn:microsoft.com/office/officeart/2008/layout/AlternatingHexagons"/>
-    <dgm:cxn modelId="{96A8706A-84FE-4E73-A4D1-02940460214B}" type="presParOf" srcId="{08B13A14-05A1-4B8B-88D6-F270F208CE31}" destId="{4618718F-E0FF-4056-B8B8-F25FD96EC891}" srcOrd="2" destOrd="0" presId="urn:microsoft.com/office/officeart/2008/layout/AlternatingHexagons"/>
-    <dgm:cxn modelId="{CBF96190-D36F-48FC-9EF3-184EF9FC453B}" type="presParOf" srcId="{08B13A14-05A1-4B8B-88D6-F270F208CE31}" destId="{7FFEE946-1EAF-4675-9300-83B68334FDB0}" srcOrd="3" destOrd="0" presId="urn:microsoft.com/office/officeart/2008/layout/AlternatingHexagons"/>
-    <dgm:cxn modelId="{4060FD45-A6EC-4C32-BFD3-AE76A7426573}" type="presParOf" srcId="{08B13A14-05A1-4B8B-88D6-F270F208CE31}" destId="{57D8EFBA-7E2B-433E-8535-C55B7E505DB8}" srcOrd="4" destOrd="0" presId="urn:microsoft.com/office/officeart/2008/layout/AlternatingHexagons"/>
-    <dgm:cxn modelId="{8A9C331C-5ED8-4BED-8C43-3DA511BCB437}" type="presParOf" srcId="{1FF0F8EA-45FE-4726-B205-E9E9CB057173}" destId="{2C610337-A5D5-4ABB-984F-F2B2F4145731}" srcOrd="3" destOrd="0" presId="urn:microsoft.com/office/officeart/2008/layout/AlternatingHexagons"/>
-    <dgm:cxn modelId="{69C89995-1F4E-44A5-B756-C943E88AA277}" type="presParOf" srcId="{1FF0F8EA-45FE-4726-B205-E9E9CB057173}" destId="{FF094DAD-F316-4307-835C-C4DD9FF75B8C}" srcOrd="4" destOrd="0" presId="urn:microsoft.com/office/officeart/2008/layout/AlternatingHexagons"/>
-    <dgm:cxn modelId="{8E66738A-C456-4619-8D22-64C967921390}" type="presParOf" srcId="{FF094DAD-F316-4307-835C-C4DD9FF75B8C}" destId="{3C3B6EEA-9FAA-4C6B-8AAF-90AF5C4A506F}" srcOrd="0" destOrd="0" presId="urn:microsoft.com/office/officeart/2008/layout/AlternatingHexagons"/>
-    <dgm:cxn modelId="{EA547800-A1DB-4626-99D2-4BDDE61466DD}" type="presParOf" srcId="{FF094DAD-F316-4307-835C-C4DD9FF75B8C}" destId="{D5E90078-45A2-44F7-B80C-BF708E526C63}" srcOrd="1" destOrd="0" presId="urn:microsoft.com/office/officeart/2008/layout/AlternatingHexagons"/>
-    <dgm:cxn modelId="{2F14F16F-07F5-49D1-BAE8-B0E3DA1CE707}" type="presParOf" srcId="{FF094DAD-F316-4307-835C-C4DD9FF75B8C}" destId="{6A9514E7-0284-4650-BC1F-BABFA53C3919}" srcOrd="2" destOrd="0" presId="urn:microsoft.com/office/officeart/2008/layout/AlternatingHexagons"/>
-    <dgm:cxn modelId="{E67BDFC1-A34F-4AFE-B470-1269A70248F0}" type="presParOf" srcId="{FF094DAD-F316-4307-835C-C4DD9FF75B8C}" destId="{02187672-8E9E-4D8A-9836-0410E5EECEF5}" srcOrd="3" destOrd="0" presId="urn:microsoft.com/office/officeart/2008/layout/AlternatingHexagons"/>
-    <dgm:cxn modelId="{E1A21482-136D-4C57-8A40-4D06ED04DE84}" type="presParOf" srcId="{FF094DAD-F316-4307-835C-C4DD9FF75B8C}" destId="{75772BEB-7373-445E-AEFF-181918D086C9}" srcOrd="4" destOrd="0" presId="urn:microsoft.com/office/officeart/2008/layout/AlternatingHexagons"/>
+    <dgm:cxn modelId="{05672A34-F197-49F4-80D9-3F65314A2A6E}" type="presOf" srcId="{82F52ADC-57B8-472B-8654-989DA68ED066}" destId="{81A52D0E-BBF8-4DC8-95FA-DED3F4CCF4B6}" srcOrd="0" destOrd="0" presId="urn:microsoft.com/office/officeart/2005/8/layout/default"/>
+    <dgm:cxn modelId="{A89D73BE-CA28-4971-8661-9AA5380B6AD8}" type="presOf" srcId="{9B661658-1732-43CA-8D22-7A5E451EC2EB}" destId="{E859EB50-BA73-4F54-8153-8C21319E1B71}" srcOrd="0" destOrd="0" presId="urn:microsoft.com/office/officeart/2005/8/layout/default"/>
+    <dgm:cxn modelId="{32D1E576-E664-4CC7-875B-978BD5670A48}" type="presParOf" srcId="{81A52D0E-BBF8-4DC8-95FA-DED3F4CCF4B6}" destId="{E859EB50-BA73-4F54-8153-8C21319E1B71}" srcOrd="0" destOrd="0" presId="urn:microsoft.com/office/officeart/2005/8/layout/default"/>
+    <dgm:cxn modelId="{CB05563E-175D-41F5-B73F-642C73012489}" type="presParOf" srcId="{81A52D0E-BBF8-4DC8-95FA-DED3F4CCF4B6}" destId="{AA2EF59D-F3B5-481C-9D50-69A36FD46910}" srcOrd="1" destOrd="0" presId="urn:microsoft.com/office/officeart/2005/8/layout/default"/>
+    <dgm:cxn modelId="{C9A0B0A1-89A2-44B2-B3B3-F7AAC92568C1}" type="presParOf" srcId="{81A52D0E-BBF8-4DC8-95FA-DED3F4CCF4B6}" destId="{F54C23B0-C633-4C6C-8AA6-E26A85F5F414}" srcOrd="2" destOrd="0" presId="urn:microsoft.com/office/officeart/2005/8/layout/default"/>
+    <dgm:cxn modelId="{0DC8C618-E265-4BC2-886B-94806C78F461}" type="presParOf" srcId="{81A52D0E-BBF8-4DC8-95FA-DED3F4CCF4B6}" destId="{5D975420-05FC-4972-B060-B1B5118B8834}" srcOrd="3" destOrd="0" presId="urn:microsoft.com/office/officeart/2005/8/layout/default"/>
+    <dgm:cxn modelId="{F426F92B-C216-4DC9-98A1-3EEC438FC075}" type="presParOf" srcId="{81A52D0E-BBF8-4DC8-95FA-DED3F4CCF4B6}" destId="{D7304029-C716-4ECC-9281-B8D34CA31E22}" srcOrd="4" destOrd="0" presId="urn:microsoft.com/office/officeart/2005/8/layout/default"/>
+    <dgm:cxn modelId="{BB20F8D9-986E-4A49-9AA8-DD2E80221197}" type="presParOf" srcId="{81A52D0E-BBF8-4DC8-95FA-DED3F4CCF4B6}" destId="{63822F65-29B8-488A-BF5B-C886E8947C1D}" srcOrd="5" destOrd="0" presId="urn:microsoft.com/office/officeart/2005/8/layout/default"/>
+    <dgm:cxn modelId="{528283B6-69D8-4820-8047-F2A4511EEF47}" type="presParOf" srcId="{81A52D0E-BBF8-4DC8-95FA-DED3F4CCF4B6}" destId="{ED0779DC-88AE-46C6-AA39-0282BE10636C}" srcOrd="6" destOrd="0" presId="urn:microsoft.com/office/officeart/2005/8/layout/default"/>
   </dgm:cxnLst>
   <dgm:bg/>
   <dgm:whole/>
   <dgm:extLst>
     <a:ext uri="http://schemas.microsoft.com/office/drawing/2008/diagram">
-      <dsp:dataModelExt xmlns:dsp="http://schemas.microsoft.com/office/drawing/2008/diagram" relId="rId14" minVer="http://schemas.openxmlformats.org/drawingml/2006/diagram"/>
+      <dsp:dataModelExt xmlns:dsp="http://schemas.microsoft.com/office/drawing/2008/diagram" relId="rId13" minVer="http://schemas.openxmlformats.org/drawingml/2006/diagram"/>
     </a:ext>
   </dgm:extLst>
 </dgm:dataModel>
@@ -1178,21 +1126,18 @@
       <dsp:cNvGrpSpPr/>
     </dsp:nvGrpSpPr>
     <dsp:grpSpPr/>
-    <dsp:sp modelId="{85021017-C616-47D9-BF6D-652C4DE20270}">
+    <dsp:sp modelId="{E859EB50-BA73-4F54-8153-8C21319E1B71}">
       <dsp:nvSpPr>
         <dsp:cNvPr id="0" name=""/>
         <dsp:cNvSpPr/>
       </dsp:nvSpPr>
       <dsp:spPr>
-        <a:xfrm rot="5400000">
-          <a:off x="997829" y="424592"/>
-          <a:ext cx="655345" cy="570150"/>
+        <a:xfrm>
+          <a:off x="119367" y="64"/>
+          <a:ext cx="901241" cy="540745"/>
         </a:xfrm>
-        <a:prstGeom prst="hexagon">
-          <a:avLst>
-            <a:gd name="adj" fmla="val 25000"/>
-            <a:gd name="vf" fmla="val 115470"/>
-          </a:avLst>
+        <a:prstGeom prst="rect">
+          <a:avLst/>
         </a:prstGeom>
         <a:solidFill>
           <a:schemeClr val="accent1">
@@ -1231,12 +1176,12 @@
         </a:fontRef>
       </dsp:style>
       <dsp:txBody>
-        <a:bodyPr spcFirstLastPara="0" vert="horz" wrap="square" lIns="22860" tIns="22860" rIns="22860" bIns="22860" numCol="1" spcCol="1270" anchor="ctr" anchorCtr="0">
+        <a:bodyPr spcFirstLastPara="0" vert="horz" wrap="square" lIns="38100" tIns="38100" rIns="38100" bIns="38100" numCol="1" spcCol="1270" anchor="ctr" anchorCtr="0">
           <a:noAutofit/>
         </a:bodyPr>
         <a:lstStyle/>
         <a:p>
-          <a:pPr marL="0" lvl="0" indent="0" algn="ctr" defTabSz="266700">
+          <a:pPr marL="0" lvl="0" indent="0" algn="ctr" defTabSz="444500">
             <a:lnSpc>
               <a:spcPct val="90000"/>
             </a:lnSpc>
@@ -1249,67 +1194,32 @@
             <a:buNone/>
           </a:pPr>
           <a:r>
-            <a:rPr lang="fr-FR" sz="600" kern="1200" dirty="0" err="1"/>
+            <a:rPr lang="fr-FR" sz="1000" kern="1200" dirty="0" err="1"/>
             <a:t>Followers</a:t>
           </a:r>
           <a:r>
-            <a:rPr lang="fr-FR" sz="600" kern="1200" dirty="0"/>
+            <a:rPr lang="fr-FR" sz="1000" kern="1200" dirty="0"/>
             <a:t> Twitter</a:t>
           </a:r>
         </a:p>
       </dsp:txBody>
-      <dsp:txXfrm rot="-5400000">
-        <a:off x="1129274" y="484120"/>
-        <a:ext cx="392454" cy="451095"/>
+      <dsp:txXfrm>
+        <a:off x="119367" y="64"/>
+        <a:ext cx="901241" cy="540745"/>
       </dsp:txXfrm>
     </dsp:sp>
-    <dsp:sp modelId="{43F293EF-2A2D-4F6E-BF88-7975A13C7E1D}">
+    <dsp:sp modelId="{F54C23B0-C633-4C6C-8AA6-E26A85F5F414}">
       <dsp:nvSpPr>
         <dsp:cNvPr id="0" name=""/>
         <dsp:cNvSpPr/>
       </dsp:nvSpPr>
       <dsp:spPr>
         <a:xfrm>
-          <a:off x="1627878" y="513064"/>
-          <a:ext cx="731365" cy="393207"/>
+          <a:off x="1110733" y="64"/>
+          <a:ext cx="901241" cy="540745"/>
         </a:xfrm>
         <a:prstGeom prst="rect">
           <a:avLst/>
-        </a:prstGeom>
-        <a:noFill/>
-        <a:ln>
-          <a:noFill/>
-        </a:ln>
-        <a:effectLst/>
-      </dsp:spPr>
-      <dsp:style>
-        <a:lnRef idx="0">
-          <a:scrgbClr r="0" g="0" b="0"/>
-        </a:lnRef>
-        <a:fillRef idx="0">
-          <a:scrgbClr r="0" g="0" b="0"/>
-        </a:fillRef>
-        <a:effectRef idx="0">
-          <a:scrgbClr r="0" g="0" b="0"/>
-        </a:effectRef>
-        <a:fontRef idx="minor"/>
-      </dsp:style>
-    </dsp:sp>
-    <dsp:sp modelId="{92B7ED43-5E2F-4F4A-84E6-FFD41ACA951A}">
-      <dsp:nvSpPr>
-        <dsp:cNvPr id="0" name=""/>
-        <dsp:cNvSpPr/>
-      </dsp:nvSpPr>
-      <dsp:spPr>
-        <a:xfrm rot="5400000">
-          <a:off x="382066" y="424592"/>
-          <a:ext cx="655345" cy="570150"/>
-        </a:xfrm>
-        <a:prstGeom prst="hexagon">
-          <a:avLst>
-            <a:gd name="adj" fmla="val 25000"/>
-            <a:gd name="vf" fmla="val 115470"/>
-          </a:avLst>
         </a:prstGeom>
         <a:solidFill>
           <a:schemeClr val="accent1">
@@ -1348,12 +1258,12 @@
         </a:fontRef>
       </dsp:style>
       <dsp:txBody>
-        <a:bodyPr spcFirstLastPara="0" vert="horz" wrap="square" lIns="0" tIns="0" rIns="0" bIns="0" numCol="1" spcCol="1270" anchor="ctr" anchorCtr="0">
+        <a:bodyPr spcFirstLastPara="0" vert="horz" wrap="square" lIns="38100" tIns="38100" rIns="38100" bIns="38100" numCol="1" spcCol="1270" anchor="ctr" anchorCtr="0">
           <a:noAutofit/>
         </a:bodyPr>
         <a:lstStyle/>
         <a:p>
-          <a:pPr marL="0" lvl="0" indent="0" algn="ctr" defTabSz="1422400">
+          <a:pPr marL="0" lvl="0" indent="0" algn="ctr" defTabSz="444500">
             <a:lnSpc>
               <a:spcPct val="90000"/>
             </a:lnSpc>
@@ -1365,29 +1275,34 @@
             </a:spcAft>
             <a:buNone/>
           </a:pPr>
-          <a:endParaRPr lang="fr-FR" sz="3200" kern="1200"/>
+          <a:r>
+            <a:rPr lang="fr-FR" sz="1000" kern="1200" dirty="0"/>
+            <a:t>Abonnés chaîne </a:t>
+          </a:r>
+          <a:r>
+            <a:rPr lang="fr-FR" sz="1000" kern="1200" dirty="0" err="1"/>
+            <a:t>Youtube</a:t>
+          </a:r>
+          <a:endParaRPr lang="fr-FR" sz="1000" kern="1200" dirty="0"/>
         </a:p>
       </dsp:txBody>
-      <dsp:txXfrm rot="-5400000">
-        <a:off x="513511" y="484120"/>
-        <a:ext cx="392454" cy="451095"/>
+      <dsp:txXfrm>
+        <a:off x="1110733" y="64"/>
+        <a:ext cx="901241" cy="540745"/>
       </dsp:txXfrm>
     </dsp:sp>
-    <dsp:sp modelId="{3BFF1360-DE3D-4EFD-BDA6-D0866AA45959}">
+    <dsp:sp modelId="{D7304029-C716-4ECC-9281-B8D34CA31E22}">
       <dsp:nvSpPr>
         <dsp:cNvPr id="0" name=""/>
         <dsp:cNvSpPr/>
       </dsp:nvSpPr>
       <dsp:spPr>
-        <a:xfrm rot="5400000">
-          <a:off x="688768" y="980849"/>
-          <a:ext cx="655345" cy="570150"/>
+        <a:xfrm>
+          <a:off x="119367" y="630934"/>
+          <a:ext cx="901241" cy="540745"/>
         </a:xfrm>
-        <a:prstGeom prst="hexagon">
-          <a:avLst>
-            <a:gd name="adj" fmla="val 25000"/>
-            <a:gd name="vf" fmla="val 115470"/>
-          </a:avLst>
+        <a:prstGeom prst="rect">
+          <a:avLst/>
         </a:prstGeom>
         <a:solidFill>
           <a:schemeClr val="accent1">
@@ -1426,12 +1341,12 @@
         </a:fontRef>
       </dsp:style>
       <dsp:txBody>
-        <a:bodyPr spcFirstLastPara="0" vert="horz" wrap="square" lIns="22860" tIns="22860" rIns="22860" bIns="22860" numCol="1" spcCol="1270" anchor="ctr" anchorCtr="0">
+        <a:bodyPr spcFirstLastPara="0" vert="horz" wrap="square" lIns="38100" tIns="38100" rIns="38100" bIns="38100" numCol="1" spcCol="1270" anchor="ctr" anchorCtr="0">
           <a:noAutofit/>
         </a:bodyPr>
         <a:lstStyle/>
         <a:p>
-          <a:pPr marL="0" lvl="0" indent="0" algn="ctr" defTabSz="266700">
+          <a:pPr marL="0" lvl="0" indent="0" algn="ctr" defTabSz="444500">
             <a:lnSpc>
               <a:spcPct val="90000"/>
             </a:lnSpc>
@@ -1444,68 +1359,32 @@
             <a:buNone/>
           </a:pPr>
           <a:r>
-            <a:rPr lang="fr-FR" sz="600" kern="1200" dirty="0"/>
-            <a:t>Abonnés chaîne </a:t>
+            <a:rPr lang="fr-FR" sz="1000" kern="1200" dirty="0" err="1"/>
+            <a:t>Likes</a:t>
           </a:r>
           <a:r>
-            <a:rPr lang="fr-FR" sz="600" kern="1200" dirty="0" err="1"/>
-            <a:t>Youtube</a:t>
+            <a:rPr lang="fr-FR" sz="1000" kern="1200" dirty="0"/>
+            <a:t> sur page Facebook</a:t>
           </a:r>
-          <a:endParaRPr lang="fr-FR" sz="600" kern="1200" dirty="0"/>
         </a:p>
       </dsp:txBody>
-      <dsp:txXfrm rot="-5400000">
-        <a:off x="820213" y="1040377"/>
-        <a:ext cx="392454" cy="451095"/>
+      <dsp:txXfrm>
+        <a:off x="119367" y="630934"/>
+        <a:ext cx="901241" cy="540745"/>
       </dsp:txXfrm>
     </dsp:sp>
-    <dsp:sp modelId="{334EC7AC-3FC6-46E7-A9EE-9FBA902D713A}">
+    <dsp:sp modelId="{ED0779DC-88AE-46C6-AA39-0282BE10636C}">
       <dsp:nvSpPr>
         <dsp:cNvPr id="0" name=""/>
         <dsp:cNvSpPr/>
       </dsp:nvSpPr>
       <dsp:spPr>
         <a:xfrm>
-          <a:off x="0" y="1069321"/>
-          <a:ext cx="707773" cy="393207"/>
+          <a:off x="1110733" y="630934"/>
+          <a:ext cx="901241" cy="540745"/>
         </a:xfrm>
         <a:prstGeom prst="rect">
           <a:avLst/>
-        </a:prstGeom>
-        <a:noFill/>
-        <a:ln>
-          <a:noFill/>
-        </a:ln>
-        <a:effectLst/>
-      </dsp:spPr>
-      <dsp:style>
-        <a:lnRef idx="0">
-          <a:scrgbClr r="0" g="0" b="0"/>
-        </a:lnRef>
-        <a:fillRef idx="0">
-          <a:scrgbClr r="0" g="0" b="0"/>
-        </a:fillRef>
-        <a:effectRef idx="0">
-          <a:scrgbClr r="0" g="0" b="0"/>
-        </a:effectRef>
-        <a:fontRef idx="minor"/>
-      </dsp:style>
-    </dsp:sp>
-    <dsp:sp modelId="{57D8EFBA-7E2B-433E-8535-C55B7E505DB8}">
-      <dsp:nvSpPr>
-        <dsp:cNvPr id="0" name=""/>
-        <dsp:cNvSpPr/>
-      </dsp:nvSpPr>
-      <dsp:spPr>
-        <a:xfrm rot="5400000">
-          <a:off x="1304530" y="980849"/>
-          <a:ext cx="655345" cy="570150"/>
-        </a:xfrm>
-        <a:prstGeom prst="hexagon">
-          <a:avLst>
-            <a:gd name="adj" fmla="val 25000"/>
-            <a:gd name="vf" fmla="val 115470"/>
-          </a:avLst>
         </a:prstGeom>
         <a:solidFill>
           <a:schemeClr val="accent1">
@@ -1544,90 +1423,12 @@
         </a:fontRef>
       </dsp:style>
       <dsp:txBody>
-        <a:bodyPr spcFirstLastPara="0" vert="horz" wrap="square" lIns="0" tIns="0" rIns="0" bIns="0" numCol="1" spcCol="1270" anchor="ctr" anchorCtr="0">
+        <a:bodyPr spcFirstLastPara="0" vert="horz" wrap="square" lIns="38100" tIns="38100" rIns="38100" bIns="38100" numCol="1" spcCol="1270" anchor="ctr" anchorCtr="0">
           <a:noAutofit/>
         </a:bodyPr>
         <a:lstStyle/>
         <a:p>
-          <a:pPr marL="0" lvl="0" indent="0" algn="ctr" defTabSz="1422400">
-            <a:lnSpc>
-              <a:spcPct val="90000"/>
-            </a:lnSpc>
-            <a:spcBef>
-              <a:spcPct val="0"/>
-            </a:spcBef>
-            <a:spcAft>
-              <a:spcPct val="35000"/>
-            </a:spcAft>
-            <a:buNone/>
-          </a:pPr>
-          <a:endParaRPr lang="fr-FR" sz="3200" kern="1200"/>
-        </a:p>
-      </dsp:txBody>
-      <dsp:txXfrm rot="-5400000">
-        <a:off x="1435975" y="1040377"/>
-        <a:ext cx="392454" cy="451095"/>
-      </dsp:txXfrm>
-    </dsp:sp>
-    <dsp:sp modelId="{3C3B6EEA-9FAA-4C6B-8AAF-90AF5C4A506F}">
-      <dsp:nvSpPr>
-        <dsp:cNvPr id="0" name=""/>
-        <dsp:cNvSpPr/>
-      </dsp:nvSpPr>
-      <dsp:spPr>
-        <a:xfrm rot="5400000">
-          <a:off x="997829" y="1537106"/>
-          <a:ext cx="655345" cy="570150"/>
-        </a:xfrm>
-        <a:prstGeom prst="hexagon">
-          <a:avLst>
-            <a:gd name="adj" fmla="val 25000"/>
-            <a:gd name="vf" fmla="val 115470"/>
-          </a:avLst>
-        </a:prstGeom>
-        <a:solidFill>
-          <a:schemeClr val="accent1">
-            <a:hueOff val="0"/>
-            <a:satOff val="0"/>
-            <a:lumOff val="0"/>
-            <a:alphaOff val="0"/>
-          </a:schemeClr>
-        </a:solidFill>
-        <a:ln w="12700" cap="flat" cmpd="sng" algn="ctr">
-          <a:solidFill>
-            <a:schemeClr val="lt1">
-              <a:hueOff val="0"/>
-              <a:satOff val="0"/>
-              <a:lumOff val="0"/>
-              <a:alphaOff val="0"/>
-            </a:schemeClr>
-          </a:solidFill>
-          <a:prstDash val="solid"/>
-          <a:miter lim="800000"/>
-        </a:ln>
-        <a:effectLst/>
-      </dsp:spPr>
-      <dsp:style>
-        <a:lnRef idx="2">
-          <a:scrgbClr r="0" g="0" b="0"/>
-        </a:lnRef>
-        <a:fillRef idx="1">
-          <a:scrgbClr r="0" g="0" b="0"/>
-        </a:fillRef>
-        <a:effectRef idx="0">
-          <a:scrgbClr r="0" g="0" b="0"/>
-        </a:effectRef>
-        <a:fontRef idx="minor">
-          <a:schemeClr val="lt1"/>
-        </a:fontRef>
-      </dsp:style>
-      <dsp:txBody>
-        <a:bodyPr spcFirstLastPara="0" vert="horz" wrap="square" lIns="22860" tIns="22860" rIns="22860" bIns="22860" numCol="1" spcCol="1270" anchor="ctr" anchorCtr="0">
-          <a:noAutofit/>
-        </a:bodyPr>
-        <a:lstStyle/>
-        <a:p>
-          <a:pPr marL="0" lvl="0" indent="0" algn="ctr" defTabSz="266700">
+          <a:pPr marL="0" lvl="0" indent="0" algn="ctr" defTabSz="444500">
             <a:lnSpc>
               <a:spcPct val="90000"/>
             </a:lnSpc>
@@ -1640,128 +1441,14 @@
             <a:buNone/>
           </a:pPr>
           <a:r>
-            <a:rPr lang="fr-FR" sz="600" kern="1200" dirty="0" err="1"/>
-            <a:t>Likes</a:t>
-          </a:r>
-          <a:r>
-            <a:rPr lang="fr-FR" sz="600" kern="1200" dirty="0"/>
-            <a:t> sur page Facebook</a:t>
+            <a:rPr lang="fr-FR" sz="1000" kern="1200" dirty="0"/>
+            <a:t>Etc…</a:t>
           </a:r>
         </a:p>
       </dsp:txBody>
-      <dsp:txXfrm rot="-5400000">
-        <a:off x="1129274" y="1596634"/>
-        <a:ext cx="392454" cy="451095"/>
-      </dsp:txXfrm>
-    </dsp:sp>
-    <dsp:sp modelId="{D5E90078-45A2-44F7-B80C-BF708E526C63}">
-      <dsp:nvSpPr>
-        <dsp:cNvPr id="0" name=""/>
-        <dsp:cNvSpPr/>
-      </dsp:nvSpPr>
-      <dsp:spPr>
-        <a:xfrm>
-          <a:off x="1627878" y="1625578"/>
-          <a:ext cx="731365" cy="393207"/>
-        </a:xfrm>
-        <a:prstGeom prst="rect">
-          <a:avLst/>
-        </a:prstGeom>
-        <a:noFill/>
-        <a:ln>
-          <a:noFill/>
-        </a:ln>
-        <a:effectLst/>
-      </dsp:spPr>
-      <dsp:style>
-        <a:lnRef idx="0">
-          <a:scrgbClr r="0" g="0" b="0"/>
-        </a:lnRef>
-        <a:fillRef idx="0">
-          <a:scrgbClr r="0" g="0" b="0"/>
-        </a:fillRef>
-        <a:effectRef idx="0">
-          <a:scrgbClr r="0" g="0" b="0"/>
-        </a:effectRef>
-        <a:fontRef idx="minor"/>
-      </dsp:style>
-    </dsp:sp>
-    <dsp:sp modelId="{75772BEB-7373-445E-AEFF-181918D086C9}">
-      <dsp:nvSpPr>
-        <dsp:cNvPr id="0" name=""/>
-        <dsp:cNvSpPr/>
-      </dsp:nvSpPr>
-      <dsp:spPr>
-        <a:xfrm rot="5400000">
-          <a:off x="382066" y="1537106"/>
-          <a:ext cx="655345" cy="570150"/>
-        </a:xfrm>
-        <a:prstGeom prst="hexagon">
-          <a:avLst>
-            <a:gd name="adj" fmla="val 25000"/>
-            <a:gd name="vf" fmla="val 115470"/>
-          </a:avLst>
-        </a:prstGeom>
-        <a:solidFill>
-          <a:schemeClr val="accent1">
-            <a:hueOff val="0"/>
-            <a:satOff val="0"/>
-            <a:lumOff val="0"/>
-            <a:alphaOff val="0"/>
-          </a:schemeClr>
-        </a:solidFill>
-        <a:ln w="12700" cap="flat" cmpd="sng" algn="ctr">
-          <a:solidFill>
-            <a:schemeClr val="lt1">
-              <a:hueOff val="0"/>
-              <a:satOff val="0"/>
-              <a:lumOff val="0"/>
-              <a:alphaOff val="0"/>
-            </a:schemeClr>
-          </a:solidFill>
-          <a:prstDash val="solid"/>
-          <a:miter lim="800000"/>
-        </a:ln>
-        <a:effectLst/>
-      </dsp:spPr>
-      <dsp:style>
-        <a:lnRef idx="2">
-          <a:scrgbClr r="0" g="0" b="0"/>
-        </a:lnRef>
-        <a:fillRef idx="1">
-          <a:scrgbClr r="0" g="0" b="0"/>
-        </a:fillRef>
-        <a:effectRef idx="0">
-          <a:scrgbClr r="0" g="0" b="0"/>
-        </a:effectRef>
-        <a:fontRef idx="minor">
-          <a:schemeClr val="lt1"/>
-        </a:fontRef>
-      </dsp:style>
-      <dsp:txBody>
-        <a:bodyPr spcFirstLastPara="0" vert="horz" wrap="square" lIns="0" tIns="0" rIns="0" bIns="0" numCol="1" spcCol="1270" anchor="ctr" anchorCtr="0">
-          <a:noAutofit/>
-        </a:bodyPr>
-        <a:lstStyle/>
-        <a:p>
-          <a:pPr marL="0" lvl="0" indent="0" algn="ctr" defTabSz="1422400">
-            <a:lnSpc>
-              <a:spcPct val="90000"/>
-            </a:lnSpc>
-            <a:spcBef>
-              <a:spcPct val="0"/>
-            </a:spcBef>
-            <a:spcAft>
-              <a:spcPct val="35000"/>
-            </a:spcAft>
-            <a:buNone/>
-          </a:pPr>
-          <a:endParaRPr lang="fr-FR" sz="3200" kern="1200"/>
-        </a:p>
-      </dsp:txBody>
-      <dsp:txXfrm rot="-5400000">
-        <a:off x="513511" y="1596634"/>
-        <a:ext cx="392454" cy="451095"/>
+      <dsp:txXfrm>
+        <a:off x="1110733" y="630934"/>
+        <a:ext cx="901241" cy="540745"/>
       </dsp:txXfrm>
     </dsp:sp>
   </dsp:spTree>
@@ -1769,42 +1456,38 @@
 </file>
 
 <file path=ppt/diagrams/layout1.xml><?xml version="1.0" encoding="utf-8"?>
-<dgm:layoutDef xmlns:dgm="http://schemas.openxmlformats.org/drawingml/2006/diagram" xmlns:a="http://schemas.openxmlformats.org/drawingml/2006/main" uniqueId="urn:microsoft.com/office/officeart/2008/layout/AlternatingHexagons">
+<dgm:layoutDef xmlns:dgm="http://schemas.openxmlformats.org/drawingml/2006/diagram" xmlns:a="http://schemas.openxmlformats.org/drawingml/2006/main" uniqueId="urn:microsoft.com/office/officeart/2005/8/layout/default">
   <dgm:title val=""/>
   <dgm:desc val=""/>
   <dgm:catLst>
-    <dgm:cat type="list" pri="1500"/>
+    <dgm:cat type="list" pri="400"/>
   </dgm:catLst>
   <dgm:sampData>
     <dgm:dataModel>
       <dgm:ptLst>
         <dgm:pt modelId="0" type="doc"/>
-        <dgm:pt modelId="10">
+        <dgm:pt modelId="1">
           <dgm:prSet phldr="1"/>
         </dgm:pt>
-        <dgm:pt modelId="11">
+        <dgm:pt modelId="2">
           <dgm:prSet phldr="1"/>
         </dgm:pt>
-        <dgm:pt modelId="20">
+        <dgm:pt modelId="3">
           <dgm:prSet phldr="1"/>
         </dgm:pt>
-        <dgm:pt modelId="21">
+        <dgm:pt modelId="4">
           <dgm:prSet phldr="1"/>
         </dgm:pt>
-        <dgm:pt modelId="30">
-          <dgm:prSet phldr="1"/>
-        </dgm:pt>
-        <dgm:pt modelId="31">
+        <dgm:pt modelId="5">
           <dgm:prSet phldr="1"/>
         </dgm:pt>
       </dgm:ptLst>
       <dgm:cxnLst>
-        <dgm:cxn modelId="40" srcId="0" destId="10" srcOrd="0" destOrd="0"/>
-        <dgm:cxn modelId="12" srcId="10" destId="11" srcOrd="0" destOrd="0"/>
-        <dgm:cxn modelId="50" srcId="0" destId="20" srcOrd="1" destOrd="0"/>
-        <dgm:cxn modelId="22" srcId="20" destId="21" srcOrd="0" destOrd="0"/>
-        <dgm:cxn modelId="60" srcId="0" destId="30" srcOrd="1" destOrd="0"/>
-        <dgm:cxn modelId="32" srcId="30" destId="31" srcOrd="0" destOrd="0"/>
+        <dgm:cxn modelId="6" srcId="0" destId="1" srcOrd="0" destOrd="0"/>
+        <dgm:cxn modelId="7" srcId="0" destId="2" srcOrd="1" destOrd="0"/>
+        <dgm:cxn modelId="8" srcId="0" destId="3" srcOrd="2" destOrd="0"/>
+        <dgm:cxn modelId="9" srcId="0" destId="4" srcOrd="3" destOrd="0"/>
+        <dgm:cxn modelId="10" srcId="0" destId="5" srcOrd="4" destOrd="0"/>
       </dgm:cxnLst>
       <dgm:bg/>
       <dgm:whole/>
@@ -1814,16 +1497,12 @@
     <dgm:dataModel>
       <dgm:ptLst>
         <dgm:pt modelId="0" type="doc"/>
-        <dgm:pt modelId="10">
-          <dgm:prSet phldr="1"/>
-        </dgm:pt>
-        <dgm:pt modelId="20">
-          <dgm:prSet phldr="1"/>
-        </dgm:pt>
+        <dgm:pt modelId="1"/>
+        <dgm:pt modelId="2"/>
       </dgm:ptLst>
       <dgm:cxnLst>
-        <dgm:cxn modelId="60" srcId="0" destId="10" srcOrd="0" destOrd="0"/>
-        <dgm:cxn modelId="70" srcId="0" destId="20" srcOrd="1" destOrd="0"/>
+        <dgm:cxn modelId="3" srcId="0" destId="1" srcOrd="0" destOrd="0"/>
+        <dgm:cxn modelId="4" srcId="0" destId="2" srcOrd="1" destOrd="0"/>
       </dgm:cxnLst>
       <dgm:bg/>
       <dgm:whole/>
@@ -1833,282 +1512,82 @@
     <dgm:dataModel>
       <dgm:ptLst>
         <dgm:pt modelId="0" type="doc"/>
-        <dgm:pt modelId="10">
-          <dgm:prSet phldr="1"/>
-        </dgm:pt>
-        <dgm:pt modelId="20">
-          <dgm:prSet phldr="1"/>
-        </dgm:pt>
-        <dgm:pt modelId="30">
-          <dgm:prSet phldr="1"/>
-        </dgm:pt>
-        <dgm:pt modelId="40">
-          <dgm:prSet phldr="1"/>
-        </dgm:pt>
+        <dgm:pt modelId="1"/>
+        <dgm:pt modelId="2"/>
+        <dgm:pt modelId="3"/>
+        <dgm:pt modelId="4"/>
+        <dgm:pt modelId="5"/>
+        <dgm:pt modelId="6"/>
       </dgm:ptLst>
       <dgm:cxnLst>
-        <dgm:cxn modelId="60" srcId="0" destId="10" srcOrd="0" destOrd="0"/>
-        <dgm:cxn modelId="70" srcId="0" destId="20" srcOrd="1" destOrd="0"/>
-        <dgm:cxn modelId="80" srcId="0" destId="30" srcOrd="2" destOrd="0"/>
-        <dgm:cxn modelId="90" srcId="0" destId="40" srcOrd="3" destOrd="0"/>
+        <dgm:cxn modelId="7" srcId="0" destId="1" srcOrd="0" destOrd="0"/>
+        <dgm:cxn modelId="8" srcId="0" destId="2" srcOrd="1" destOrd="0"/>
+        <dgm:cxn modelId="9" srcId="0" destId="3" srcOrd="2" destOrd="0"/>
+        <dgm:cxn modelId="10" srcId="0" destId="4" srcOrd="3" destOrd="0"/>
+        <dgm:cxn modelId="11" srcId="0" destId="5" srcOrd="4" destOrd="0"/>
+        <dgm:cxn modelId="12" srcId="0" destId="6" srcOrd="5" destOrd="0"/>
       </dgm:cxnLst>
       <dgm:bg/>
       <dgm:whole/>
     </dgm:dataModel>
   </dgm:clrData>
-  <dgm:layoutNode name="Name0">
+  <dgm:layoutNode name="diagram">
     <dgm:varLst>
-      <dgm:chMax/>
-      <dgm:chPref/>
       <dgm:dir/>
-      <dgm:animLvl val="lvl"/>
+      <dgm:resizeHandles val="exact"/>
     </dgm:varLst>
-    <dgm:alg type="lin">
-      <dgm:param type="linDir" val="fromT"/>
-    </dgm:alg>
+    <dgm:choose name="Name0">
+      <dgm:if name="Name1" func="var" arg="dir" op="equ" val="norm">
+        <dgm:alg type="snake">
+          <dgm:param type="grDir" val="tL"/>
+          <dgm:param type="flowDir" val="row"/>
+          <dgm:param type="contDir" val="sameDir"/>
+          <dgm:param type="off" val="ctr"/>
+        </dgm:alg>
+      </dgm:if>
+      <dgm:else name="Name2">
+        <dgm:alg type="snake">
+          <dgm:param type="grDir" val="tR"/>
+          <dgm:param type="flowDir" val="row"/>
+          <dgm:param type="contDir" val="sameDir"/>
+          <dgm:param type="off" val="ctr"/>
+        </dgm:alg>
+      </dgm:else>
+    </dgm:choose>
     <dgm:shape xmlns:r="http://schemas.openxmlformats.org/officeDocument/2006/relationships" r:blip="">
       <dgm:adjLst/>
     </dgm:shape>
+    <dgm:presOf/>
     <dgm:constrLst>
-      <dgm:constr type="primFontSz" for="des" forName="Parent1" val="65"/>
-      <dgm:constr type="primFontSz" for="des" forName="Childtext1" refType="primFontSz" refFor="des" refForName="Parent1" op="lte"/>
-      <dgm:constr type="w" for="ch" forName="composite" refType="w"/>
-      <dgm:constr type="h" for="ch" forName="composite" refType="h"/>
-      <dgm:constr type="h" for="ch" forName="spaceBetweenRectangles" refType="w" refFor="ch" refForName="composite" fact="-0.042"/>
-      <dgm:constr type="sp" refType="h" refFor="ch" refForName="composite" op="equ" fact="0.1"/>
+      <dgm:constr type="w" for="ch" forName="node" refType="w"/>
+      <dgm:constr type="h" for="ch" forName="node" refType="w" refFor="ch" refForName="node" fact="0.6"/>
+      <dgm:constr type="w" for="ch" forName="sibTrans" refType="w" refFor="ch" refForName="node" fact="0.1"/>
+      <dgm:constr type="sp" refType="w" refFor="ch" refForName="sibTrans"/>
+      <dgm:constr type="primFontSz" for="ch" forName="node" op="equ" val="65"/>
     </dgm:constrLst>
-    <dgm:forEach name="nodesForEach" axis="ch" ptType="node">
-      <dgm:layoutNode name="composite">
-        <dgm:alg type="composite">
-          <dgm:param type="ar" val="3.6"/>
-        </dgm:alg>
-        <dgm:shape xmlns:r="http://schemas.openxmlformats.org/officeDocument/2006/relationships" r:blip="">
+    <dgm:ruleLst/>
+    <dgm:forEach name="Name3" axis="ch" ptType="node">
+      <dgm:layoutNode name="node">
+        <dgm:varLst>
+          <dgm:bulletEnabled val="1"/>
+        </dgm:varLst>
+        <dgm:alg type="tx"/>
+        <dgm:shape xmlns:r="http://schemas.openxmlformats.org/officeDocument/2006/relationships" type="rect" r:blip="">
           <dgm:adjLst/>
         </dgm:shape>
-        <dgm:choose name="Name1">
-          <dgm:if name="Name2" func="var" arg="dir" op="equ" val="norm">
-            <dgm:choose name="Name3">
-              <dgm:if name="Name4" axis="self" ptType="node" func="posOdd" op="equ" val="1">
-                <dgm:constrLst>
-                  <dgm:constr type="l" for="ch" forName="Accent1" refType="w" fact="0.18"/>
-                  <dgm:constr type="t" for="ch" forName="Accent1" refType="h" fact="0"/>
-                  <dgm:constr type="h" for="ch" forName="Accent1" refType="h"/>
-                  <dgm:constr type="w" for="ch" forName="Accent1" refType="h" fact="0.87"/>
-                  <dgm:constr type="l" for="ch" forName="Accent1Text" refType="w" fact="0.18"/>
-                  <dgm:constr type="t" for="ch" forName="Accent1Text" refType="h" fact="0"/>
-                  <dgm:constr type="h" for="ch" forName="Accent1Text" refType="h"/>
-                  <dgm:constr type="w" for="ch" forName="Accent1Text" refType="h" fact="0.87"/>
-                  <dgm:constr type="l" for="ch" forName="Parent1" refType="w" fact="0.441"/>
-                  <dgm:constr type="t" for="ch" forName="Parent1" refType="h" fact="0"/>
-                  <dgm:constr type="h" for="ch" forName="Parent1" refType="h"/>
-                  <dgm:constr type="w" for="ch" forName="Parent1" refType="h" fact="0.87"/>
-                  <dgm:constr type="l" for="ch" forName="Childtext1" refType="w" fact="0.69"/>
-                  <dgm:constr type="t" for="ch" forName="Childtext1" refType="h" fact="0.2"/>
-                  <dgm:constr type="w" for="ch" forName="Childtext1" refType="w" fact="0.31"/>
-                  <dgm:constr type="h" for="ch" forName="Childtext1" refType="h" fact="0.6"/>
-                  <dgm:constr type="l" for="ch" forName="BalanceSpacing" refType="w" fact="0"/>
-                  <dgm:constr type="t" for="ch" forName="BalanceSpacing" refType="h" fact="0"/>
-                  <dgm:constr type="w" for="ch" forName="BalanceSpacing" refType="w"/>
-                  <dgm:constr type="h" for="ch" forName="BalanceSpacing" refType="h" fact="0.1"/>
-                  <dgm:constr type="l" for="ch" forName="BalanceSpacing1" refType="w" fact="0.69"/>
-                  <dgm:constr type="t" for="ch" forName="BalanceSpacing1" refType="h" fact="0.2"/>
-                  <dgm:constr type="w" for="ch" forName="BalanceSpacing1" refType="w" fact="0.31"/>
-                  <dgm:constr type="h" for="ch" forName="BalanceSpacing1" refType="h" fact="0.6"/>
-                </dgm:constrLst>
-              </dgm:if>
-              <dgm:else name="Name5">
-                <dgm:constrLst>
-                  <dgm:constr type="l" for="ch" forName="Accent1" refType="w" fact="0.571"/>
-                  <dgm:constr type="t" for="ch" forName="Accent1" refType="h" fact="0"/>
-                  <dgm:constr type="h" for="ch" forName="Accent1" refType="h"/>
-                  <dgm:constr type="w" for="ch" forName="Accent1" refType="h" fact="0.87"/>
-                  <dgm:constr type="l" for="ch" forName="Accent1Text" refType="w" fact="0.571"/>
-                  <dgm:constr type="t" for="ch" forName="Accent1Text" refType="h" fact="0"/>
-                  <dgm:constr type="h" for="ch" forName="Accent1Text" refType="h"/>
-                  <dgm:constr type="w" for="ch" forName="Accent1Text" refType="h" fact="0.87"/>
-                  <dgm:constr type="l" for="ch" forName="Parent1" refType="w" fact="0.31"/>
-                  <dgm:constr type="t" for="ch" forName="Parent1" refType="h" fact="0"/>
-                  <dgm:constr type="h" for="ch" forName="Parent1" refType="h"/>
-                  <dgm:constr type="w" for="ch" forName="Parent1" refType="h" fact="0.87"/>
-                  <dgm:constr type="l" for="ch" forName="Childtext1" refType="w" fact="0"/>
-                  <dgm:constr type="t" for="ch" forName="Childtext1" refType="h" fact="0.2"/>
-                  <dgm:constr type="w" for="ch" forName="Childtext1" refType="w" fact="0.3"/>
-                  <dgm:constr type="h" for="ch" forName="Childtext1" refType="h" fact="0.6"/>
-                  <dgm:constr type="l" for="ch" forName="BalanceSpacing" refType="w" fact="0.82"/>
-                  <dgm:constr type="t" for="ch" forName="BalanceSpacing" refType="h" fact="0"/>
-                  <dgm:constr type="w" for="ch" forName="BalanceSpacing" refType="w" fact="0.18"/>
-                  <dgm:constr type="h" for="ch" forName="BalanceSpacing" refType="h"/>
-                  <dgm:constr type="l" for="ch" forName="BalanceSpacing1" refType="w" fact="0"/>
-                  <dgm:constr type="t" for="ch" forName="BalanceSpacing1" refType="h" fact="0.2"/>
-                  <dgm:constr type="w" for="ch" forName="BalanceSpacing1" refType="w" fact="0.3"/>
-                  <dgm:constr type="h" for="ch" forName="BalanceSpacing1" refType="h" fact="0.6"/>
-                </dgm:constrLst>
-              </dgm:else>
-            </dgm:choose>
-          </dgm:if>
-          <dgm:else name="Name6">
-            <dgm:choose name="Name7">
-              <dgm:if name="Name8" axis="self" ptType="node" func="posOdd" op="equ" val="1">
-                <dgm:constrLst>
-                  <dgm:constr type="l" for="ch" forName="Accent1" refType="w" fact="0.571"/>
-                  <dgm:constr type="t" for="ch" forName="Accent1" refType="h" fact="0"/>
-                  <dgm:constr type="h" for="ch" forName="Accent1" refType="h"/>
-                  <dgm:constr type="w" for="ch" forName="Accent1" refType="h" fact="0.87"/>
-                  <dgm:constr type="l" for="ch" forName="Accent1Text" refType="w" fact="0.571"/>
-                  <dgm:constr type="t" for="ch" forName="Accent1Text" refType="h" fact="0"/>
-                  <dgm:constr type="h" for="ch" forName="Accent1Text" refType="h"/>
-                  <dgm:constr type="w" for="ch" forName="Accent1Text" refType="h" fact="0.87"/>
-                  <dgm:constr type="l" for="ch" forName="Parent1" refType="w" fact="0.31"/>
-                  <dgm:constr type="t" for="ch" forName="Parent1" refType="h" fact="0"/>
-                  <dgm:constr type="h" for="ch" forName="Parent1" refType="h"/>
-                  <dgm:constr type="w" for="ch" forName="Parent1" refType="h" fact="0.87"/>
-                  <dgm:constr type="l" for="ch" forName="Childtext1" refType="w" fact="0"/>
-                  <dgm:constr type="t" for="ch" forName="Childtext1" refType="h" fact="0.2"/>
-                  <dgm:constr type="w" for="ch" forName="Childtext1" refType="w" fact="0.3"/>
-                  <dgm:constr type="h" for="ch" forName="Childtext1" refType="h" fact="0.6"/>
-                  <dgm:constr type="l" for="ch" forName="BalanceSpacing" refType="w" fact="0.82"/>
-                  <dgm:constr type="t" for="ch" forName="BalanceSpacing" refType="h" fact="0"/>
-                  <dgm:constr type="w" for="ch" forName="BalanceSpacing" refType="w" fact="0.18"/>
-                  <dgm:constr type="h" for="ch" forName="BalanceSpacing" refType="h"/>
-                </dgm:constrLst>
-              </dgm:if>
-              <dgm:else name="Name9">
-                <dgm:constrLst>
-                  <dgm:constr type="l" for="ch" forName="Accent1" refType="w" fact="0.18"/>
-                  <dgm:constr type="t" for="ch" forName="Accent1" refType="h" fact="0"/>
-                  <dgm:constr type="h" for="ch" forName="Accent1" refType="h"/>
-                  <dgm:constr type="w" for="ch" forName="Accent1" refType="h" fact="0.87"/>
-                  <dgm:constr type="l" for="ch" forName="Accent1Text" refType="w" fact="0.18"/>
-                  <dgm:constr type="t" for="ch" forName="Accent1Text" refType="h" fact="0"/>
-                  <dgm:constr type="h" for="ch" forName="Accent1Text" refType="h"/>
-                  <dgm:constr type="w" for="ch" forName="Accent1Text" refType="h" fact="0.87"/>
-                  <dgm:constr type="l" for="ch" forName="Parent1" refType="w" fact="0.441"/>
-                  <dgm:constr type="t" for="ch" forName="Parent1" refType="h" fact="0"/>
-                  <dgm:constr type="h" for="ch" forName="Parent1" refType="h"/>
-                  <dgm:constr type="w" for="ch" forName="Parent1" refType="h" fact="0.87"/>
-                  <dgm:constr type="l" for="ch" forName="Childtext1" refType="w" fact="0.69"/>
-                  <dgm:constr type="t" for="ch" forName="Childtext1" refType="h" fact="0.2"/>
-                  <dgm:constr type="w" for="ch" forName="Childtext1" refType="w" fact="0.31"/>
-                  <dgm:constr type="h" for="ch" forName="Childtext1" refType="h" fact="0.6"/>
-                  <dgm:constr type="l" for="ch" forName="BalanceSpacing" refType="w" fact="0"/>
-                  <dgm:constr type="t" for="ch" forName="BalanceSpacing" refType="h" fact="0"/>
-                  <dgm:constr type="w" for="ch" forName="BalanceSpacing" refType="w" fact="0.18"/>
-                  <dgm:constr type="h" for="ch" forName="BalanceSpacing" refType="h"/>
-                </dgm:constrLst>
-              </dgm:else>
-            </dgm:choose>
-          </dgm:else>
-        </dgm:choose>
-        <dgm:layoutNode name="Parent1" styleLbl="node1">
-          <dgm:varLst>
-            <dgm:chMax val="1"/>
-            <dgm:chPref val="1"/>
-            <dgm:bulletEnabled val="1"/>
-          </dgm:varLst>
-          <dgm:alg type="tx"/>
-          <dgm:shape xmlns:r="http://schemas.openxmlformats.org/officeDocument/2006/relationships" rot="90" type="hexagon" r:blip="">
-            <dgm:adjLst>
-              <dgm:adj idx="1" val="0.25"/>
-              <dgm:adj idx="2" val="1.1547"/>
-            </dgm:adjLst>
-          </dgm:shape>
-          <dgm:presOf axis="self" ptType="node"/>
-          <dgm:constrLst>
-            <dgm:constr type="lMarg" refType="primFontSz" fact="0.3"/>
-            <dgm:constr type="rMarg" refType="primFontSz" fact="0.3"/>
-            <dgm:constr type="tMarg" refType="primFontSz" fact="0.3"/>
-            <dgm:constr type="bMarg" refType="primFontSz" fact="0.3"/>
-          </dgm:constrLst>
-          <dgm:ruleLst>
-            <dgm:rule type="primFontSz" val="5" fact="NaN" max="NaN"/>
-          </dgm:ruleLst>
-        </dgm:layoutNode>
-        <dgm:layoutNode name="Childtext1" styleLbl="revTx">
-          <dgm:varLst>
-            <dgm:chMax val="0"/>
-            <dgm:chPref val="0"/>
-            <dgm:bulletEnabled val="1"/>
-          </dgm:varLst>
-          <dgm:choose name="Name10">
-            <dgm:if name="Name11" func="var" arg="dir" op="equ" val="norm">
-              <dgm:choose name="Name12">
-                <dgm:if name="Name13" axis="self" ptType="node" func="posOdd" op="equ" val="1">
-                  <dgm:alg type="tx">
-                    <dgm:param type="parTxLTRAlign" val="l"/>
-                  </dgm:alg>
-                </dgm:if>
-                <dgm:else name="Name14">
-                  <dgm:alg type="tx">
-                    <dgm:param type="parTxLTRAlign" val="r"/>
-                  </dgm:alg>
-                </dgm:else>
-              </dgm:choose>
-            </dgm:if>
-            <dgm:else name="Name15">
-              <dgm:choose name="Name16">
-                <dgm:if name="Name17" axis="self" ptType="node" func="posOdd" op="equ" val="1">
-                  <dgm:alg type="tx">
-                    <dgm:param type="parTxLTRAlign" val="r"/>
-                  </dgm:alg>
-                </dgm:if>
-                <dgm:else name="Name18">
-                  <dgm:alg type="tx">
-                    <dgm:param type="parTxLTRAlign" val="l"/>
-                  </dgm:alg>
-                </dgm:else>
-              </dgm:choose>
-            </dgm:else>
-          </dgm:choose>
-          <dgm:shape xmlns:r="http://schemas.openxmlformats.org/officeDocument/2006/relationships" type="rect" r:blip="">
-            <dgm:adjLst/>
-          </dgm:shape>
-          <dgm:presOf axis="des" ptType="node"/>
-          <dgm:constrLst>
-            <dgm:constr type="lMarg" refType="primFontSz" fact="0.3"/>
-            <dgm:constr type="rMarg" refType="primFontSz" fact="0.3"/>
-            <dgm:constr type="tMarg" refType="primFontSz" fact="0.3"/>
-            <dgm:constr type="bMarg" refType="primFontSz" fact="0.3"/>
-          </dgm:constrLst>
-          <dgm:ruleLst>
-            <dgm:rule type="primFontSz" val="5" fact="NaN" max="NaN"/>
-          </dgm:ruleLst>
-        </dgm:layoutNode>
-        <dgm:layoutNode name="BalanceSpacing">
-          <dgm:alg type="sp"/>
-          <dgm:shape xmlns:r="http://schemas.openxmlformats.org/officeDocument/2006/relationships" r:blip="">
-            <dgm:adjLst/>
-          </dgm:shape>
-        </dgm:layoutNode>
-        <dgm:layoutNode name="BalanceSpacing1">
-          <dgm:alg type="sp"/>
-          <dgm:shape xmlns:r="http://schemas.openxmlformats.org/officeDocument/2006/relationships" r:blip="">
-            <dgm:adjLst/>
-          </dgm:shape>
-        </dgm:layoutNode>
-        <dgm:forEach name="Name19" axis="followSib" ptType="sibTrans" hideLastTrans="0" cnt="1">
-          <dgm:layoutNode name="Accent1Text" styleLbl="node1">
-            <dgm:alg type="tx"/>
-            <dgm:shape xmlns:r="http://schemas.openxmlformats.org/officeDocument/2006/relationships" rot="90" type="hexagon" r:blip="">
-              <dgm:adjLst>
-                <dgm:adj idx="1" val="0.25"/>
-                <dgm:adj idx="2" val="1.1547"/>
-              </dgm:adjLst>
-            </dgm:shape>
-            <dgm:presOf axis="self" ptType="sibTrans"/>
-            <dgm:constrLst>
-              <dgm:constr type="lMarg"/>
-              <dgm:constr type="rMarg"/>
-              <dgm:constr type="tMarg"/>
-              <dgm:constr type="bMarg"/>
-            </dgm:constrLst>
-            <dgm:ruleLst>
-              <dgm:rule type="primFontSz" val="5" fact="NaN" max="NaN"/>
-            </dgm:ruleLst>
-          </dgm:layoutNode>
-        </dgm:forEach>
+        <dgm:presOf axis="desOrSelf" ptType="node"/>
+        <dgm:constrLst>
+          <dgm:constr type="lMarg" refType="primFontSz" fact="0.3"/>
+          <dgm:constr type="rMarg" refType="primFontSz" fact="0.3"/>
+          <dgm:constr type="tMarg" refType="primFontSz" fact="0.3"/>
+          <dgm:constr type="bMarg" refType="primFontSz" fact="0.3"/>
+        </dgm:constrLst>
+        <dgm:ruleLst>
+          <dgm:rule type="primFontSz" val="5" fact="NaN" max="NaN"/>
+        </dgm:ruleLst>
       </dgm:layoutNode>
-      <dgm:forEach name="Name20" axis="followSib" ptType="sibTrans" cnt="1">
-        <dgm:layoutNode name="spaceBetweenRectangles">
+      <dgm:forEach name="Name4" axis="followSib" ptType="sibTrans" cnt="1">
+        <dgm:layoutNode name="sibTrans">
           <dgm:alg type="sp"/>
           <dgm:shape xmlns:r="http://schemas.openxmlformats.org/officeDocument/2006/relationships" r:blip="">
             <dgm:adjLst/>
@@ -3239,7 +2718,7 @@
           <a:p>
             <a:fld id="{BCCFCA2C-E53A-4528-BA5C-5D0A70AA4BCB}" type="datetimeFigureOut">
               <a:rPr lang="fr-FR" smtClean="0"/>
-              <a:t>29/12/2016</a:t>
+              <a:t>04/01/2017</a:t>
             </a:fld>
             <a:endParaRPr lang="fr-FR"/>
           </a:p>
@@ -3334,7 +2813,6 @@
               <a:rPr lang="fr-FR"/>
               <a:t>Cinquième niveau</a:t>
             </a:r>
-            <a:endParaRPr lang="fr-FR"/>
           </a:p>
         </p:txBody>
       </p:sp>
@@ -4037,7 +3515,7 @@
           <a:p>
             <a:fld id="{B32DB9A3-211D-481F-B821-EB4CCADA4B97}" type="datetimeFigureOut">
               <a:rPr lang="fr-FR" smtClean="0"/>
-              <a:t>29/12/2016</a:t>
+              <a:t>04/01/2017</a:t>
             </a:fld>
             <a:endParaRPr lang="fr-FR"/>
           </a:p>
@@ -4207,7 +3685,7 @@
           <a:p>
             <a:fld id="{B32DB9A3-211D-481F-B821-EB4CCADA4B97}" type="datetimeFigureOut">
               <a:rPr lang="fr-FR" smtClean="0"/>
-              <a:t>29/12/2016</a:t>
+              <a:t>04/01/2017</a:t>
             </a:fld>
             <a:endParaRPr lang="fr-FR"/>
           </a:p>
@@ -4387,7 +3865,7 @@
           <a:p>
             <a:fld id="{B32DB9A3-211D-481F-B821-EB4CCADA4B97}" type="datetimeFigureOut">
               <a:rPr lang="fr-FR" smtClean="0"/>
-              <a:t>29/12/2016</a:t>
+              <a:t>04/01/2017</a:t>
             </a:fld>
             <a:endParaRPr lang="fr-FR"/>
           </a:p>
@@ -4557,7 +4035,7 @@
           <a:p>
             <a:fld id="{B32DB9A3-211D-481F-B821-EB4CCADA4B97}" type="datetimeFigureOut">
               <a:rPr lang="fr-FR" smtClean="0"/>
-              <a:t>29/12/2016</a:t>
+              <a:t>04/01/2017</a:t>
             </a:fld>
             <a:endParaRPr lang="fr-FR"/>
           </a:p>
@@ -4801,7 +4279,7 @@
           <a:p>
             <a:fld id="{B32DB9A3-211D-481F-B821-EB4CCADA4B97}" type="datetimeFigureOut">
               <a:rPr lang="fr-FR" smtClean="0"/>
-              <a:t>29/12/2016</a:t>
+              <a:t>04/01/2017</a:t>
             </a:fld>
             <a:endParaRPr lang="fr-FR"/>
           </a:p>
@@ -5033,7 +4511,7 @@
           <a:p>
             <a:fld id="{B32DB9A3-211D-481F-B821-EB4CCADA4B97}" type="datetimeFigureOut">
               <a:rPr lang="fr-FR" smtClean="0"/>
-              <a:t>29/12/2016</a:t>
+              <a:t>04/01/2017</a:t>
             </a:fld>
             <a:endParaRPr lang="fr-FR"/>
           </a:p>
@@ -5400,7 +4878,7 @@
           <a:p>
             <a:fld id="{B32DB9A3-211D-481F-B821-EB4CCADA4B97}" type="datetimeFigureOut">
               <a:rPr lang="fr-FR" smtClean="0"/>
-              <a:t>29/12/2016</a:t>
+              <a:t>04/01/2017</a:t>
             </a:fld>
             <a:endParaRPr lang="fr-FR"/>
           </a:p>
@@ -5518,7 +4996,7 @@
           <a:p>
             <a:fld id="{B32DB9A3-211D-481F-B821-EB4CCADA4B97}" type="datetimeFigureOut">
               <a:rPr lang="fr-FR" smtClean="0"/>
-              <a:t>29/12/2016</a:t>
+              <a:t>04/01/2017</a:t>
             </a:fld>
             <a:endParaRPr lang="fr-FR"/>
           </a:p>
@@ -5613,7 +5091,7 @@
           <a:p>
             <a:fld id="{B32DB9A3-211D-481F-B821-EB4CCADA4B97}" type="datetimeFigureOut">
               <a:rPr lang="fr-FR" smtClean="0"/>
-              <a:t>29/12/2016</a:t>
+              <a:t>04/01/2017</a:t>
             </a:fld>
             <a:endParaRPr lang="fr-FR"/>
           </a:p>
@@ -5890,7 +5368,7 @@
           <a:p>
             <a:fld id="{B32DB9A3-211D-481F-B821-EB4CCADA4B97}" type="datetimeFigureOut">
               <a:rPr lang="fr-FR" smtClean="0"/>
-              <a:t>29/12/2016</a:t>
+              <a:t>04/01/2017</a:t>
             </a:fld>
             <a:endParaRPr lang="fr-FR"/>
           </a:p>
@@ -6147,7 +5625,7 @@
           <a:p>
             <a:fld id="{B32DB9A3-211D-481F-B821-EB4CCADA4B97}" type="datetimeFigureOut">
               <a:rPr lang="fr-FR" smtClean="0"/>
-              <a:t>29/12/2016</a:t>
+              <a:t>04/01/2017</a:t>
             </a:fld>
             <a:endParaRPr lang="fr-FR"/>
           </a:p>
@@ -6360,7 +5838,7 @@
           <a:p>
             <a:fld id="{B32DB9A3-211D-481F-B821-EB4CCADA4B97}" type="datetimeFigureOut">
               <a:rPr lang="fr-FR" smtClean="0"/>
-              <a:t>29/12/2016</a:t>
+              <a:t>04/01/2017</a:t>
             </a:fld>
             <a:endParaRPr lang="fr-FR"/>
           </a:p>
@@ -6987,7 +6465,7 @@
             </a:r>
             <a:r>
               <a:rPr lang="fr-FR" sz="900" dirty="0"/>
-              <a:t>(combinaison de nos analyses pour donner le candidat en tête)</a:t>
+              <a:t>(combinaison de nos analyses pour donner le candidat en vogue)</a:t>
             </a:r>
             <a:endParaRPr lang="fr-FR" sz="1200" dirty="0"/>
           </a:p>
@@ -7419,7 +6897,6 @@
               <a:rPr lang="fr-FR" sz="1200" dirty="0"/>
               <a:t>Analyse #2</a:t>
             </a:r>
-            <a:endParaRPr lang="fr-FR" sz="1200" dirty="0"/>
           </a:p>
           <a:p>
             <a:pPr algn="ctr"/>
@@ -7554,7 +7031,6 @@
               <a:rPr lang="fr-FR" sz="1200" dirty="0"/>
               <a:t>Analyse #3</a:t>
             </a:r>
-            <a:endParaRPr lang="fr-FR" sz="1200" dirty="0"/>
           </a:p>
           <a:p>
             <a:pPr algn="ctr"/>
@@ -7924,7 +7400,6 @@
               <a:rPr lang="fr-FR" sz="1200" dirty="0"/>
               <a:t>Article #2</a:t>
             </a:r>
-            <a:endParaRPr lang="fr-FR" sz="1200" dirty="0"/>
           </a:p>
         </p:txBody>
       </p:sp>
@@ -8289,13 +7764,7 @@
           <a:p>
             <a:r>
               <a:rPr lang="fr-FR" sz="1200" dirty="0"/>
-              <a:t>Candidats</a:t>
-            </a:r>
-          </a:p>
-          <a:p>
-            <a:r>
-              <a:rPr lang="fr-FR" sz="1200" dirty="0"/>
-              <a:t>(cliquer pour isoler les analyses sur lui)</a:t>
+              <a:t>Duel de candidats (mise en comparaison de deux candidats que l’utilisateur choisit)</a:t>
             </a:r>
           </a:p>
         </p:txBody>
@@ -8481,7 +7950,7 @@
             </a:r>
             <a:r>
               <a:rPr lang="fr-FR" sz="900" dirty="0"/>
-              <a:t>(combinaison de nos analyses pour donner le candidat en tête)</a:t>
+              <a:t>(combinaison de nos analyses pour donner le candidat en vogue)</a:t>
             </a:r>
             <a:endParaRPr lang="fr-FR" sz="1200" dirty="0"/>
           </a:p>
@@ -8872,42 +8341,18 @@
             <a:pPr algn="ctr"/>
             <a:r>
               <a:rPr lang="fr-FR" sz="1200" b="1" dirty="0"/>
-              <a:t>Une cartographie « live »</a:t>
+              <a:t>Une cartographie « live » avec Google Trends</a:t>
             </a:r>
           </a:p>
           <a:p>
             <a:pPr algn="ctr"/>
             <a:r>
               <a:rPr lang="fr-FR" sz="1200" dirty="0"/>
-              <a:t>Données utilisées à définir</a:t>
-            </a:r>
-          </a:p>
-        </p:txBody>
-      </p:sp>
-      <p:pic>
-        <p:nvPicPr>
-          <p:cNvPr id="16" name="Image 15"/>
-          <p:cNvPicPr>
-            <a:picLocks noChangeAspect="1"/>
-          </p:cNvPicPr>
-          <p:nvPr/>
-        </p:nvPicPr>
-        <p:blipFill>
-          <a:blip r:embed="rId7"/>
-          <a:stretch>
-            <a:fillRect/>
-          </a:stretch>
-        </p:blipFill>
-        <p:spPr>
-          <a:xfrm>
-            <a:off x="1360203" y="7960385"/>
-            <a:ext cx="4137593" cy="1945615"/>
-          </a:xfrm>
-          <a:prstGeom prst="rect">
-            <a:avLst/>
-          </a:prstGeom>
-        </p:spPr>
-      </p:pic>
+              <a:t>(l’utilisateur choisit un thème de campagne (Immigration, Chômage, Terrorisme, Impôts …), la carte s’actualise en montrant l’intensité des recherches dans les différentes régions</a:t>
+            </a:r>
+          </a:p>
+        </p:txBody>
+      </p:sp>
       <p:pic>
         <p:nvPicPr>
           <p:cNvPr id="17" name="Image 16"/>
@@ -8917,7 +8362,7 @@
           <p:nvPr/>
         </p:nvPicPr>
         <p:blipFill rotWithShape="1">
-          <a:blip r:embed="rId8"/>
+          <a:blip r:embed="rId7"/>
           <a:srcRect l="22772" t="27663" r="1973" b="4299"/>
           <a:stretch/>
         </p:blipFill>
@@ -8940,13 +8385,13 @@
           <p:nvPr/>
         </p:nvPicPr>
         <p:blipFill rotWithShape="1">
-          <a:blip r:embed="rId9"/>
+          <a:blip r:embed="rId8"/>
           <a:srcRect t="51758" b="-2"/>
           <a:stretch/>
         </p:blipFill>
         <p:spPr>
           <a:xfrm>
-            <a:off x="432235" y="3995814"/>
+            <a:off x="3283357" y="3070945"/>
             <a:ext cx="2542515" cy="581087"/>
           </a:xfrm>
           <a:prstGeom prst="rect">
@@ -8963,13 +8408,13 @@
           <p:nvPr/>
         </p:nvPicPr>
         <p:blipFill rotWithShape="1">
-          <a:blip r:embed="rId9"/>
+          <a:blip r:embed="rId8"/>
           <a:srcRect b="50620"/>
           <a:stretch/>
         </p:blipFill>
         <p:spPr>
           <a:xfrm>
-            <a:off x="432236" y="3412551"/>
+            <a:off x="432235" y="3090369"/>
             <a:ext cx="2542515" cy="594799"/>
           </a:xfrm>
           <a:prstGeom prst="rect">
@@ -8985,8 +8430,8 @@
         </p:nvSpPr>
         <p:spPr>
           <a:xfrm>
-            <a:off x="2974750" y="3322040"/>
-            <a:ext cx="1945592" cy="738664"/>
+            <a:off x="335275" y="3936354"/>
+            <a:ext cx="2250356" cy="646331"/>
           </a:xfrm>
           <a:prstGeom prst="rect">
             <a:avLst/>
@@ -9004,12 +8449,12 @@
               <a:buChar char="•"/>
             </a:pPr>
             <a:r>
-              <a:rPr lang="fr-FR" sz="1400" dirty="0">
+              <a:rPr lang="fr-FR" sz="1200" dirty="0">
                 <a:solidFill>
                   <a:schemeClr val="bg1"/>
                 </a:solidFill>
               </a:rPr>
-              <a:t>Nom du candidat</a:t>
+              <a:t>Nom du candidat n°1</a:t>
             </a:r>
           </a:p>
           <a:p>
@@ -9018,7 +8463,7 @@
               <a:buChar char="•"/>
             </a:pPr>
             <a:r>
-              <a:rPr lang="fr-FR" sz="1400" dirty="0">
+              <a:rPr lang="fr-FR" sz="1200" dirty="0">
                 <a:solidFill>
                   <a:schemeClr val="bg1"/>
                 </a:solidFill>
@@ -9032,7 +8477,7 @@
               <a:buChar char="•"/>
             </a:pPr>
             <a:r>
-              <a:rPr lang="fr-FR" sz="1400" dirty="0">
+              <a:rPr lang="fr-FR" sz="1200" dirty="0">
                 <a:solidFill>
                   <a:schemeClr val="bg1"/>
                 </a:solidFill>
@@ -9049,18 +8494,18 @@
           <p:nvPr>
             <p:extLst>
               <p:ext uri="{D42A27DB-BD31-4B8C-83A1-F6EECF244321}">
-                <p14:modId xmlns:p14="http://schemas.microsoft.com/office/powerpoint/2010/main" val="3710614386"/>
+                <p14:modId xmlns:p14="http://schemas.microsoft.com/office/powerpoint/2010/main" val="1542544675"/>
               </p:ext>
             </p:extLst>
           </p:nvPr>
         </p:nvGraphicFramePr>
         <p:xfrm>
-          <a:off x="4498756" y="2583863"/>
-          <a:ext cx="2359244" cy="2531850"/>
+          <a:off x="2355707" y="3685852"/>
+          <a:ext cx="2131343" cy="1171744"/>
         </p:xfrm>
         <a:graphic>
           <a:graphicData uri="http://schemas.openxmlformats.org/drawingml/2006/diagram">
-            <dgm:relIds xmlns:dgm="http://schemas.openxmlformats.org/drawingml/2006/diagram" xmlns:r="http://schemas.openxmlformats.org/officeDocument/2006/relationships" r:dm="rId10" r:lo="rId11" r:qs="rId12" r:cs="rId13"/>
+            <dgm:relIds xmlns:dgm="http://schemas.openxmlformats.org/drawingml/2006/diagram" xmlns:r="http://schemas.openxmlformats.org/officeDocument/2006/relationships" r:dm="rId9" r:lo="rId10" r:qs="rId11" r:cs="rId12"/>
           </a:graphicData>
         </a:graphic>
       </p:graphicFrame>
@@ -9125,6 +8570,71 @@
                 <a:effectLst/>
               </a:rPr>
               <a:t>de travail</a:t>
+            </a:r>
+          </a:p>
+        </p:txBody>
+      </p:sp>
+      <p:sp>
+        <p:nvSpPr>
+          <p:cNvPr id="22" name="ZoneTexte 21"/>
+          <p:cNvSpPr txBox="1"/>
+          <p:nvPr/>
+        </p:nvSpPr>
+        <p:spPr>
+          <a:xfrm>
+            <a:off x="3953435" y="3957275"/>
+            <a:ext cx="2416870" cy="646331"/>
+          </a:xfrm>
+          <a:prstGeom prst="rect">
+            <a:avLst/>
+          </a:prstGeom>
+          <a:noFill/>
+        </p:spPr>
+        <p:txBody>
+          <a:bodyPr wrap="square" rtlCol="0">
+            <a:spAutoFit/>
+          </a:bodyPr>
+          <a:lstStyle/>
+          <a:p>
+            <a:pPr marL="285750" indent="-285750" algn="r">
+              <a:buFont typeface="Arial" panose="020B0604020202020204" pitchFamily="34" charset="0"/>
+              <a:buChar char="•"/>
+            </a:pPr>
+            <a:r>
+              <a:rPr lang="fr-FR" sz="1200" dirty="0">
+                <a:solidFill>
+                  <a:schemeClr val="bg1"/>
+                </a:solidFill>
+              </a:rPr>
+              <a:t>Nom du candidat n°2</a:t>
+            </a:r>
+          </a:p>
+          <a:p>
+            <a:pPr marL="285750" indent="-285750" algn="r">
+              <a:buFont typeface="Arial" panose="020B0604020202020204" pitchFamily="34" charset="0"/>
+              <a:buChar char="•"/>
+            </a:pPr>
+            <a:r>
+              <a:rPr lang="fr-FR" sz="1200" dirty="0">
+                <a:solidFill>
+                  <a:schemeClr val="bg1"/>
+                </a:solidFill>
+              </a:rPr>
+              <a:t>Parti</a:t>
+            </a:r>
+          </a:p>
+          <a:p>
+            <a:pPr marL="285750" indent="-285750" algn="r">
+              <a:buFont typeface="Arial" panose="020B0604020202020204" pitchFamily="34" charset="0"/>
+              <a:buChar char="•"/>
+            </a:pPr>
+            <a:r>
+              <a:rPr lang="fr-FR" sz="1200" dirty="0">
+                <a:solidFill>
+                  <a:schemeClr val="bg1"/>
+                </a:solidFill>
+              </a:rPr>
+              <a:t>Courte biographie</a:t>
             </a:r>
           </a:p>
         </p:txBody>
